--- a/Doc/정리 자료/250630_Differentiation.pptx
+++ b/Doc/정리 자료/250630_Differentiation.pptx
@@ -5,12 +5,13 @@
     <p:sldMasterId id="2147483648" r:id="rId1"/>
   </p:sldMasterIdLst>
   <p:notesMasterIdLst>
-    <p:notesMasterId r:id="rId5"/>
+    <p:notesMasterId r:id="rId6"/>
   </p:notesMasterIdLst>
   <p:sldIdLst>
     <p:sldId id="256" r:id="rId2"/>
     <p:sldId id="335" r:id="rId3"/>
     <p:sldId id="336" r:id="rId4"/>
+    <p:sldId id="337" r:id="rId5"/>
   </p:sldIdLst>
   <p:sldSz cx="12192000" cy="6858000"/>
   <p:notesSz cx="6858000" cy="9144000"/>
@@ -199,7 +200,7 @@
           <a:p>
             <a:fld id="{4EF9F4EB-7350-4147-8D1A-FCD303B7641A}" type="datetimeFigureOut">
               <a:rPr lang="ko-KR" altLang="en-US" smtClean="0"/>
-              <a:t>2025-06-30</a:t>
+              <a:t>2025-07-01</a:t>
             </a:fld>
             <a:endParaRPr lang="ko-KR" altLang="en-US" dirty="0"/>
           </a:p>
@@ -598,7 +599,7 @@
           <a:p>
             <a:fld id="{EA627AAE-097B-4092-99F4-3A71BEB5F25A}" type="datetimeFigureOut">
               <a:rPr lang="ko-KR" altLang="en-US" smtClean="0"/>
-              <a:t>2025-06-30</a:t>
+              <a:t>2025-07-01</a:t>
             </a:fld>
             <a:endParaRPr lang="ko-KR" altLang="en-US" dirty="0"/>
           </a:p>
@@ -768,7 +769,7 @@
           <a:p>
             <a:fld id="{EA627AAE-097B-4092-99F4-3A71BEB5F25A}" type="datetimeFigureOut">
               <a:rPr lang="ko-KR" altLang="en-US" smtClean="0"/>
-              <a:t>2025-06-30</a:t>
+              <a:t>2025-07-01</a:t>
             </a:fld>
             <a:endParaRPr lang="ko-KR" altLang="en-US" dirty="0"/>
           </a:p>
@@ -948,7 +949,7 @@
           <a:p>
             <a:fld id="{EA627AAE-097B-4092-99F4-3A71BEB5F25A}" type="datetimeFigureOut">
               <a:rPr lang="ko-KR" altLang="en-US" smtClean="0"/>
-              <a:t>2025-06-30</a:t>
+              <a:t>2025-07-01</a:t>
             </a:fld>
             <a:endParaRPr lang="ko-KR" altLang="en-US" dirty="0"/>
           </a:p>
@@ -1118,7 +1119,7 @@
           <a:p>
             <a:fld id="{EA627AAE-097B-4092-99F4-3A71BEB5F25A}" type="datetimeFigureOut">
               <a:rPr lang="ko-KR" altLang="en-US" smtClean="0"/>
-              <a:t>2025-06-30</a:t>
+              <a:t>2025-07-01</a:t>
             </a:fld>
             <a:endParaRPr lang="ko-KR" altLang="en-US" dirty="0"/>
           </a:p>
@@ -1364,7 +1365,7 @@
           <a:p>
             <a:fld id="{EA627AAE-097B-4092-99F4-3A71BEB5F25A}" type="datetimeFigureOut">
               <a:rPr lang="ko-KR" altLang="en-US" smtClean="0"/>
-              <a:t>2025-06-30</a:t>
+              <a:t>2025-07-01</a:t>
             </a:fld>
             <a:endParaRPr lang="ko-KR" altLang="en-US" dirty="0"/>
           </a:p>
@@ -1596,7 +1597,7 @@
           <a:p>
             <a:fld id="{EA627AAE-097B-4092-99F4-3A71BEB5F25A}" type="datetimeFigureOut">
               <a:rPr lang="ko-KR" altLang="en-US" smtClean="0"/>
-              <a:t>2025-06-30</a:t>
+              <a:t>2025-07-01</a:t>
             </a:fld>
             <a:endParaRPr lang="ko-KR" altLang="en-US" dirty="0"/>
           </a:p>
@@ -1963,7 +1964,7 @@
           <a:p>
             <a:fld id="{EA627AAE-097B-4092-99F4-3A71BEB5F25A}" type="datetimeFigureOut">
               <a:rPr lang="ko-KR" altLang="en-US" smtClean="0"/>
-              <a:t>2025-06-30</a:t>
+              <a:t>2025-07-01</a:t>
             </a:fld>
             <a:endParaRPr lang="ko-KR" altLang="en-US" dirty="0"/>
           </a:p>
@@ -2081,7 +2082,7 @@
           <a:p>
             <a:fld id="{EA627AAE-097B-4092-99F4-3A71BEB5F25A}" type="datetimeFigureOut">
               <a:rPr lang="ko-KR" altLang="en-US" smtClean="0"/>
-              <a:t>2025-06-30</a:t>
+              <a:t>2025-07-01</a:t>
             </a:fld>
             <a:endParaRPr lang="ko-KR" altLang="en-US" dirty="0"/>
           </a:p>
@@ -2176,7 +2177,7 @@
           <a:p>
             <a:fld id="{EA627AAE-097B-4092-99F4-3A71BEB5F25A}" type="datetimeFigureOut">
               <a:rPr lang="ko-KR" altLang="en-US" smtClean="0"/>
-              <a:t>2025-06-30</a:t>
+              <a:t>2025-07-01</a:t>
             </a:fld>
             <a:endParaRPr lang="ko-KR" altLang="en-US" dirty="0"/>
           </a:p>
@@ -2453,7 +2454,7 @@
           <a:p>
             <a:fld id="{EA627AAE-097B-4092-99F4-3A71BEB5F25A}" type="datetimeFigureOut">
               <a:rPr lang="ko-KR" altLang="en-US" smtClean="0"/>
-              <a:t>2025-06-30</a:t>
+              <a:t>2025-07-01</a:t>
             </a:fld>
             <a:endParaRPr lang="ko-KR" altLang="en-US" dirty="0"/>
           </a:p>
@@ -2706,7 +2707,7 @@
           <a:p>
             <a:fld id="{EA627AAE-097B-4092-99F4-3A71BEB5F25A}" type="datetimeFigureOut">
               <a:rPr lang="ko-KR" altLang="en-US" smtClean="0"/>
-              <a:t>2025-06-30</a:t>
+              <a:t>2025-07-01</a:t>
             </a:fld>
             <a:endParaRPr lang="ko-KR" altLang="en-US" dirty="0"/>
           </a:p>
@@ -2919,7 +2920,7 @@
           <a:p>
             <a:fld id="{EA627AAE-097B-4092-99F4-3A71BEB5F25A}" type="datetimeFigureOut">
               <a:rPr lang="ko-KR" altLang="en-US" smtClean="0"/>
-              <a:t>2025-06-30</a:t>
+              <a:t>2025-07-01</a:t>
             </a:fld>
             <a:endParaRPr lang="ko-KR" altLang="en-US" dirty="0"/>
           </a:p>
@@ -3394,7 +3395,7 @@
         <p:spPr>
           <a:xfrm>
             <a:off x="166255" y="166254"/>
-            <a:ext cx="1435714" cy="492443"/>
+            <a:ext cx="2058577" cy="492443"/>
           </a:xfrm>
           <a:prstGeom prst="rect">
             <a:avLst/>
@@ -3420,6 +3421,22 @@
             <a:r>
               <a:rPr lang="ko-KR" altLang="en-US" sz="1200" dirty="0" err="1" smtClean="0"/>
               <a:t>편미분</a:t>
+            </a:r>
+            <a:r>
+              <a:rPr lang="ko-KR" altLang="en-US" sz="1200" dirty="0" smtClean="0"/>
+              <a:t> </a:t>
+            </a:r>
+            <a:r>
+              <a:rPr lang="en-US" altLang="ko-KR" sz="1200" dirty="0" smtClean="0"/>
+              <a:t>(</a:t>
+            </a:r>
+            <a:r>
+              <a:rPr lang="en-US" altLang="ko-KR" sz="1200" dirty="0" err="1" smtClean="0"/>
+              <a:t>OpenCV</a:t>
+            </a:r>
+            <a:r>
+              <a:rPr lang="en-US" altLang="ko-KR" sz="1200" dirty="0" smtClean="0"/>
+              <a:t> vs. C++)</a:t>
             </a:r>
             <a:endParaRPr lang="en-US" altLang="ko-KR" sz="1200" dirty="0"/>
           </a:p>
@@ -3801,7 +3818,7 @@
         <p:spPr>
           <a:xfrm>
             <a:off x="166255" y="166254"/>
-            <a:ext cx="1435714" cy="492443"/>
+            <a:ext cx="1489831" cy="492443"/>
           </a:xfrm>
           <a:prstGeom prst="rect">
             <a:avLst/>
@@ -3826,7 +3843,15 @@
             </a:r>
             <a:r>
               <a:rPr lang="ko-KR" altLang="en-US" sz="1200" dirty="0" err="1" smtClean="0"/>
-              <a:t>라플라시안</a:t>
+              <a:t>편미분</a:t>
+            </a:r>
+            <a:r>
+              <a:rPr lang="ko-KR" altLang="en-US" sz="1200" dirty="0" smtClean="0"/>
+              <a:t> </a:t>
+            </a:r>
+            <a:r>
+              <a:rPr lang="en-US" altLang="ko-KR" sz="1200" dirty="0" smtClean="0"/>
+              <a:t>(Anchor)</a:t>
             </a:r>
             <a:endParaRPr lang="en-US" altLang="ko-KR" sz="1200" dirty="0"/>
           </a:p>
@@ -3863,8 +3888,577 @@
                   </a:schemeClr>
                 </a:solidFill>
               </a:rPr>
-              <a:t>25.06.30</a:t>
-            </a:r>
+              <a:t>25.07.01</a:t>
+            </a:r>
+            <a:endParaRPr lang="en-US" altLang="ko-KR" sz="1200" b="1" dirty="0" smtClean="0">
+              <a:solidFill>
+                <a:schemeClr val="bg1">
+                  <a:lumMod val="50000"/>
+                </a:schemeClr>
+              </a:solidFill>
+            </a:endParaRPr>
+          </a:p>
+        </p:txBody>
+      </p:sp>
+      <p:pic>
+        <p:nvPicPr>
+          <p:cNvPr id="3" name="그림 2"/>
+          <p:cNvPicPr>
+            <a:picLocks noChangeAspect="1"/>
+          </p:cNvPicPr>
+          <p:nvPr/>
+        </p:nvPicPr>
+        <p:blipFill>
+          <a:blip r:embed="rId2">
+            <a:extLst>
+              <a:ext uri="{28A0092B-C50C-407E-A947-70E740481C1C}">
+                <a14:useLocalDpi xmlns:a14="http://schemas.microsoft.com/office/drawing/2010/main" val="0"/>
+              </a:ext>
+            </a:extLst>
+          </a:blip>
+          <a:stretch>
+            <a:fillRect/>
+          </a:stretch>
+        </p:blipFill>
+        <p:spPr>
+          <a:xfrm>
+            <a:off x="3498098" y="1694577"/>
+            <a:ext cx="2944647" cy="4414054"/>
+          </a:xfrm>
+          <a:prstGeom prst="rect">
+            <a:avLst/>
+          </a:prstGeom>
+        </p:spPr>
+      </p:pic>
+      <p:pic>
+        <p:nvPicPr>
+          <p:cNvPr id="5" name="그림 4"/>
+          <p:cNvPicPr>
+            <a:picLocks noChangeAspect="1"/>
+          </p:cNvPicPr>
+          <p:nvPr/>
+        </p:nvPicPr>
+        <p:blipFill>
+          <a:blip r:embed="rId3">
+            <a:extLst>
+              <a:ext uri="{28A0092B-C50C-407E-A947-70E740481C1C}">
+                <a14:useLocalDpi xmlns:a14="http://schemas.microsoft.com/office/drawing/2010/main" val="0"/>
+              </a:ext>
+            </a:extLst>
+          </a:blip>
+          <a:stretch>
+            <a:fillRect/>
+          </a:stretch>
+        </p:blipFill>
+        <p:spPr>
+          <a:xfrm>
+            <a:off x="485037" y="1694576"/>
+            <a:ext cx="2946481" cy="4416804"/>
+          </a:xfrm>
+          <a:prstGeom prst="rect">
+            <a:avLst/>
+          </a:prstGeom>
+        </p:spPr>
+      </p:pic>
+      <p:pic>
+        <p:nvPicPr>
+          <p:cNvPr id="7" name="그림 6"/>
+          <p:cNvPicPr>
+            <a:picLocks noChangeAspect="1"/>
+          </p:cNvPicPr>
+          <p:nvPr/>
+        </p:nvPicPr>
+        <p:blipFill>
+          <a:blip r:embed="rId4">
+            <a:extLst>
+              <a:ext uri="{28A0092B-C50C-407E-A947-70E740481C1C}">
+                <a14:useLocalDpi xmlns:a14="http://schemas.microsoft.com/office/drawing/2010/main" val="0"/>
+              </a:ext>
+            </a:extLst>
+          </a:blip>
+          <a:stretch>
+            <a:fillRect/>
+          </a:stretch>
+        </p:blipFill>
+        <p:spPr>
+          <a:xfrm>
+            <a:off x="6509325" y="1694576"/>
+            <a:ext cx="2944647" cy="4414055"/>
+          </a:xfrm>
+          <a:prstGeom prst="rect">
+            <a:avLst/>
+          </a:prstGeom>
+        </p:spPr>
+      </p:pic>
+      <p:sp>
+        <p:nvSpPr>
+          <p:cNvPr id="8" name="TextBox 7"/>
+          <p:cNvSpPr txBox="1"/>
+          <p:nvPr/>
+        </p:nvSpPr>
+        <p:spPr>
+          <a:xfrm>
+            <a:off x="485038" y="6111380"/>
+            <a:ext cx="1108872" cy="646331"/>
+          </a:xfrm>
+          <a:prstGeom prst="rect">
+            <a:avLst/>
+          </a:prstGeom>
+          <a:noFill/>
+        </p:spPr>
+        <p:txBody>
+          <a:bodyPr wrap="square" rtlCol="0">
+            <a:spAutoFit/>
+          </a:bodyPr>
+          <a:lstStyle/>
+          <a:p>
+            <a:r>
+              <a:rPr lang="en-US" altLang="ko-KR" sz="1200" dirty="0" smtClean="0"/>
+              <a:t>X</a:t>
+            </a:r>
+            <a:r>
+              <a:rPr lang="ko-KR" altLang="en-US" sz="1200" dirty="0" smtClean="0"/>
+              <a:t>방향 </a:t>
+            </a:r>
+            <a:r>
+              <a:rPr lang="ko-KR" altLang="en-US" sz="1200" dirty="0" err="1" smtClean="0"/>
+              <a:t>편미분</a:t>
+            </a:r>
+            <a:endParaRPr lang="en-US" altLang="ko-KR" sz="1200" dirty="0" smtClean="0"/>
+          </a:p>
+          <a:p>
+            <a:r>
+              <a:rPr lang="en-US" altLang="ko-KR" sz="1200" dirty="0" smtClean="0"/>
+              <a:t>Kernel: [-1, 1]</a:t>
+            </a:r>
+          </a:p>
+          <a:p>
+            <a:r>
+              <a:rPr lang="en-US" altLang="ko-KR" sz="1200" dirty="0" smtClean="0"/>
+              <a:t>Anchor: [0, 0]</a:t>
+            </a:r>
+            <a:endParaRPr lang="ko-KR" altLang="en-US" sz="1200" dirty="0"/>
+          </a:p>
+        </p:txBody>
+      </p:sp>
+      <p:sp>
+        <p:nvSpPr>
+          <p:cNvPr id="9" name="TextBox 8"/>
+          <p:cNvSpPr txBox="1"/>
+          <p:nvPr/>
+        </p:nvSpPr>
+        <p:spPr>
+          <a:xfrm>
+            <a:off x="3498098" y="6111380"/>
+            <a:ext cx="1294650" cy="646331"/>
+          </a:xfrm>
+          <a:prstGeom prst="rect">
+            <a:avLst/>
+          </a:prstGeom>
+          <a:noFill/>
+        </p:spPr>
+        <p:txBody>
+          <a:bodyPr wrap="none" rtlCol="0">
+            <a:spAutoFit/>
+          </a:bodyPr>
+          <a:lstStyle/>
+          <a:p>
+            <a:r>
+              <a:rPr lang="en-US" altLang="ko-KR" sz="1200" dirty="0" smtClean="0"/>
+              <a:t>X</a:t>
+            </a:r>
+            <a:r>
+              <a:rPr lang="ko-KR" altLang="en-US" sz="1200" dirty="0" smtClean="0"/>
+              <a:t>방향 </a:t>
+            </a:r>
+            <a:r>
+              <a:rPr lang="ko-KR" altLang="en-US" sz="1200" dirty="0" err="1" smtClean="0"/>
+              <a:t>편미분</a:t>
+            </a:r>
+            <a:endParaRPr lang="en-US" altLang="ko-KR" sz="1200" dirty="0" smtClean="0"/>
+          </a:p>
+          <a:p>
+            <a:r>
+              <a:rPr lang="en-US" altLang="ko-KR" sz="1200" dirty="0" smtClean="0"/>
+              <a:t>Kernel: [-1, 0, 1]</a:t>
+            </a:r>
+          </a:p>
+          <a:p>
+            <a:r>
+              <a:rPr lang="en-US" altLang="ko-KR" sz="1200" dirty="0" smtClean="0"/>
+              <a:t>Anchor: [1, 0]</a:t>
+            </a:r>
+            <a:endParaRPr lang="ko-KR" altLang="en-US" sz="1200" dirty="0"/>
+          </a:p>
+        </p:txBody>
+      </p:sp>
+      <p:sp>
+        <p:nvSpPr>
+          <p:cNvPr id="10" name="TextBox 9"/>
+          <p:cNvSpPr txBox="1"/>
+          <p:nvPr/>
+        </p:nvSpPr>
+        <p:spPr>
+          <a:xfrm>
+            <a:off x="6509325" y="6108631"/>
+            <a:ext cx="1155188" cy="646331"/>
+          </a:xfrm>
+          <a:prstGeom prst="rect">
+            <a:avLst/>
+          </a:prstGeom>
+          <a:noFill/>
+        </p:spPr>
+        <p:txBody>
+          <a:bodyPr wrap="none" rtlCol="0">
+            <a:spAutoFit/>
+          </a:bodyPr>
+          <a:lstStyle/>
+          <a:p>
+            <a:r>
+              <a:rPr lang="en-US" altLang="ko-KR" sz="1200" dirty="0" smtClean="0"/>
+              <a:t>X</a:t>
+            </a:r>
+            <a:r>
+              <a:rPr lang="ko-KR" altLang="en-US" sz="1200" dirty="0" smtClean="0"/>
+              <a:t>방향 </a:t>
+            </a:r>
+            <a:r>
+              <a:rPr lang="ko-KR" altLang="en-US" sz="1200" dirty="0" err="1" smtClean="0"/>
+              <a:t>편미분</a:t>
+            </a:r>
+            <a:endParaRPr lang="en-US" altLang="ko-KR" sz="1200" dirty="0" smtClean="0"/>
+          </a:p>
+          <a:p>
+            <a:r>
+              <a:rPr lang="en-US" altLang="ko-KR" sz="1200" dirty="0" smtClean="0"/>
+              <a:t>Kernel: [-1, 1]</a:t>
+            </a:r>
+          </a:p>
+          <a:p>
+            <a:r>
+              <a:rPr lang="en-US" altLang="ko-KR" sz="1200" dirty="0" smtClean="0"/>
+              <a:t>Anchor: [1, 0]</a:t>
+            </a:r>
+            <a:endParaRPr lang="ko-KR" altLang="en-US" sz="1200" dirty="0"/>
+          </a:p>
+        </p:txBody>
+      </p:sp>
+      <p:sp>
+        <p:nvSpPr>
+          <p:cNvPr id="11" name="TextBox 10"/>
+          <p:cNvSpPr txBox="1"/>
+          <p:nvPr/>
+        </p:nvSpPr>
+        <p:spPr>
+          <a:xfrm>
+            <a:off x="251545" y="697024"/>
+            <a:ext cx="3825505" cy="861774"/>
+          </a:xfrm>
+          <a:prstGeom prst="rect">
+            <a:avLst/>
+          </a:prstGeom>
+          <a:noFill/>
+        </p:spPr>
+        <p:txBody>
+          <a:bodyPr wrap="square" rtlCol="0">
+            <a:spAutoFit/>
+          </a:bodyPr>
+          <a:lstStyle/>
+          <a:p>
+            <a:r>
+              <a:rPr lang="en-US" altLang="ko-KR" sz="1000" dirty="0" smtClean="0"/>
+              <a:t>X</a:t>
+            </a:r>
+            <a:r>
+              <a:rPr lang="ko-KR" altLang="en-US" sz="1000" dirty="0" smtClean="0"/>
+              <a:t>방향 </a:t>
+            </a:r>
+            <a:r>
+              <a:rPr lang="ko-KR" altLang="en-US" sz="1000" dirty="0" err="1" smtClean="0"/>
+              <a:t>편미분의</a:t>
+            </a:r>
+            <a:r>
+              <a:rPr lang="ko-KR" altLang="en-US" sz="1000" dirty="0" smtClean="0"/>
+              <a:t> 결과가 나오는 위치를 다르게 한 결과</a:t>
+            </a:r>
+            <a:endParaRPr lang="en-US" altLang="ko-KR" sz="1000" dirty="0" smtClean="0"/>
+          </a:p>
+          <a:p>
+            <a:endParaRPr lang="en-US" altLang="ko-KR" sz="1000" dirty="0"/>
+          </a:p>
+          <a:p>
+            <a:pPr marL="171450" indent="-171450">
+              <a:buFontTx/>
+              <a:buChar char="-"/>
+            </a:pPr>
+            <a:r>
+              <a:rPr lang="en-US" altLang="ko-KR" sz="1000" dirty="0" smtClean="0"/>
+              <a:t>Left: </a:t>
+            </a:r>
+            <a:r>
+              <a:rPr lang="ko-KR" altLang="en-US" sz="1000" dirty="0" smtClean="0"/>
+              <a:t>커널 </a:t>
+            </a:r>
+            <a:r>
+              <a:rPr lang="en-US" altLang="ko-KR" sz="1000" dirty="0" smtClean="0"/>
+              <a:t>[-1, 1]</a:t>
+            </a:r>
+            <a:r>
+              <a:rPr lang="ko-KR" altLang="en-US" sz="1000" dirty="0" smtClean="0"/>
+              <a:t>로</a:t>
+            </a:r>
+            <a:r>
+              <a:rPr lang="en-US" altLang="ko-KR" sz="1000" dirty="0" smtClean="0"/>
+              <a:t> </a:t>
+            </a:r>
+            <a:r>
+              <a:rPr lang="ko-KR" altLang="en-US" sz="1000" dirty="0" smtClean="0"/>
+              <a:t>연산 후</a:t>
+            </a:r>
+            <a:r>
+              <a:rPr lang="en-US" altLang="ko-KR" sz="1000" dirty="0" smtClean="0"/>
+              <a:t>, </a:t>
+            </a:r>
+            <a:r>
+              <a:rPr lang="ko-KR" altLang="en-US" sz="1000" dirty="0" smtClean="0"/>
+              <a:t>왼쪽에 데이터 입력</a:t>
+            </a:r>
+            <a:endParaRPr lang="en-US" altLang="ko-KR" sz="1000" dirty="0" smtClean="0"/>
+          </a:p>
+          <a:p>
+            <a:pPr marL="171450" indent="-171450">
+              <a:buFontTx/>
+              <a:buChar char="-"/>
+            </a:pPr>
+            <a:r>
+              <a:rPr lang="en-US" altLang="ko-KR" sz="1000" dirty="0" smtClean="0"/>
+              <a:t>Center: </a:t>
+            </a:r>
+            <a:r>
+              <a:rPr lang="ko-KR" altLang="en-US" sz="1000" dirty="0" smtClean="0"/>
+              <a:t>커널 </a:t>
+            </a:r>
+            <a:r>
+              <a:rPr lang="en-US" altLang="ko-KR" sz="1000" dirty="0" smtClean="0"/>
+              <a:t>[-1, 0, 1]</a:t>
+            </a:r>
+            <a:r>
+              <a:rPr lang="ko-KR" altLang="en-US" sz="1000" dirty="0" smtClean="0"/>
+              <a:t>로 연산 후</a:t>
+            </a:r>
+            <a:r>
+              <a:rPr lang="en-US" altLang="ko-KR" sz="1000" dirty="0" smtClean="0"/>
+              <a:t>, </a:t>
+            </a:r>
+            <a:r>
+              <a:rPr lang="ko-KR" altLang="en-US" sz="1000" dirty="0" smtClean="0"/>
+              <a:t>중앙에 데이터 입력</a:t>
+            </a:r>
+            <a:endParaRPr lang="en-US" altLang="ko-KR" sz="1000" dirty="0" smtClean="0"/>
+          </a:p>
+          <a:p>
+            <a:pPr marL="171450" indent="-171450">
+              <a:buFontTx/>
+              <a:buChar char="-"/>
+            </a:pPr>
+            <a:r>
+              <a:rPr lang="en-US" altLang="ko-KR" sz="1000" dirty="0" smtClean="0"/>
+              <a:t>Right: </a:t>
+            </a:r>
+            <a:r>
+              <a:rPr lang="ko-KR" altLang="en-US" sz="1000" dirty="0" smtClean="0"/>
+              <a:t>커널 </a:t>
+            </a:r>
+            <a:r>
+              <a:rPr lang="en-US" altLang="ko-KR" sz="1000" dirty="0" smtClean="0"/>
+              <a:t>[-1, 1]</a:t>
+            </a:r>
+            <a:r>
+              <a:rPr lang="ko-KR" altLang="en-US" sz="1000" dirty="0" smtClean="0"/>
+              <a:t>로 연산 후</a:t>
+            </a:r>
+            <a:r>
+              <a:rPr lang="en-US" altLang="ko-KR" sz="1000" dirty="0" smtClean="0"/>
+              <a:t>, </a:t>
+            </a:r>
+            <a:r>
+              <a:rPr lang="ko-KR" altLang="en-US" sz="1000" dirty="0" smtClean="0"/>
+              <a:t>오른쪽에 데이터 입력</a:t>
+            </a:r>
+            <a:endParaRPr lang="en-US" altLang="ko-KR" sz="1000" dirty="0" smtClean="0"/>
+          </a:p>
+        </p:txBody>
+      </p:sp>
+      <p:sp>
+        <p:nvSpPr>
+          <p:cNvPr id="12" name="TextBox 11"/>
+          <p:cNvSpPr txBox="1"/>
+          <p:nvPr/>
+        </p:nvSpPr>
+        <p:spPr>
+          <a:xfrm>
+            <a:off x="485036" y="1694576"/>
+            <a:ext cx="462920" cy="276999"/>
+          </a:xfrm>
+          <a:prstGeom prst="rect">
+            <a:avLst/>
+          </a:prstGeom>
+          <a:noFill/>
+        </p:spPr>
+        <p:txBody>
+          <a:bodyPr wrap="square" rtlCol="0">
+            <a:spAutoFit/>
+          </a:bodyPr>
+          <a:lstStyle/>
+          <a:p>
+            <a:pPr algn="ctr"/>
+            <a:r>
+              <a:rPr lang="en-US" altLang="ko-KR" sz="1200" dirty="0" smtClean="0">
+                <a:solidFill>
+                  <a:schemeClr val="bg1"/>
+                </a:solidFill>
+              </a:rPr>
+              <a:t>Left</a:t>
+            </a:r>
+          </a:p>
+        </p:txBody>
+      </p:sp>
+      <p:sp>
+        <p:nvSpPr>
+          <p:cNvPr id="13" name="TextBox 12"/>
+          <p:cNvSpPr txBox="1"/>
+          <p:nvPr/>
+        </p:nvSpPr>
+        <p:spPr>
+          <a:xfrm>
+            <a:off x="3498098" y="1691828"/>
+            <a:ext cx="654452" cy="276999"/>
+          </a:xfrm>
+          <a:prstGeom prst="rect">
+            <a:avLst/>
+          </a:prstGeom>
+          <a:noFill/>
+        </p:spPr>
+        <p:txBody>
+          <a:bodyPr wrap="square" rtlCol="0">
+            <a:spAutoFit/>
+          </a:bodyPr>
+          <a:lstStyle/>
+          <a:p>
+            <a:pPr algn="ctr"/>
+            <a:r>
+              <a:rPr lang="en-US" altLang="ko-KR" sz="1200" dirty="0" smtClean="0">
+                <a:solidFill>
+                  <a:schemeClr val="bg1"/>
+                </a:solidFill>
+              </a:rPr>
+              <a:t>Center</a:t>
+            </a:r>
+          </a:p>
+        </p:txBody>
+      </p:sp>
+      <p:sp>
+        <p:nvSpPr>
+          <p:cNvPr id="14" name="TextBox 13"/>
+          <p:cNvSpPr txBox="1"/>
+          <p:nvPr/>
+        </p:nvSpPr>
+        <p:spPr>
+          <a:xfrm>
+            <a:off x="6509325" y="1691827"/>
+            <a:ext cx="554205" cy="276999"/>
+          </a:xfrm>
+          <a:prstGeom prst="rect">
+            <a:avLst/>
+          </a:prstGeom>
+          <a:noFill/>
+        </p:spPr>
+        <p:txBody>
+          <a:bodyPr wrap="square" rtlCol="0">
+            <a:spAutoFit/>
+          </a:bodyPr>
+          <a:lstStyle/>
+          <a:p>
+            <a:pPr algn="ctr"/>
+            <a:r>
+              <a:rPr lang="en-US" altLang="ko-KR" sz="1200" dirty="0" smtClean="0">
+                <a:solidFill>
+                  <a:schemeClr val="bg1"/>
+                </a:solidFill>
+              </a:rPr>
+              <a:t>Right</a:t>
+            </a:r>
+          </a:p>
+        </p:txBody>
+      </p:sp>
+      <p:sp>
+        <p:nvSpPr>
+          <p:cNvPr id="15" name="TextBox 14"/>
+          <p:cNvSpPr txBox="1"/>
+          <p:nvPr/>
+        </p:nvSpPr>
+        <p:spPr>
+          <a:xfrm>
+            <a:off x="4348076" y="845441"/>
+            <a:ext cx="3764079" cy="400110"/>
+          </a:xfrm>
+          <a:prstGeom prst="rect">
+            <a:avLst/>
+          </a:prstGeom>
+          <a:noFill/>
+          <a:ln>
+            <a:solidFill>
+              <a:schemeClr val="tx1"/>
+            </a:solidFill>
+          </a:ln>
+        </p:spPr>
+        <p:txBody>
+          <a:bodyPr wrap="square" rtlCol="0">
+            <a:spAutoFit/>
+          </a:bodyPr>
+          <a:lstStyle/>
+          <a:p>
+            <a:r>
+              <a:rPr lang="en-US" altLang="ko-KR" sz="1000" dirty="0" smtClean="0"/>
+              <a:t>Center</a:t>
+            </a:r>
+            <a:r>
+              <a:rPr lang="ko-KR" altLang="en-US" sz="1000" dirty="0" smtClean="0"/>
+              <a:t>에서의 데이터가 더 밝은 이유</a:t>
+            </a:r>
+            <a:r>
+              <a:rPr lang="en-US" altLang="ko-KR" sz="1000" dirty="0" smtClean="0"/>
+              <a:t>: [-1, 0, 1]</a:t>
+            </a:r>
+            <a:r>
+              <a:rPr lang="ko-KR" altLang="en-US" sz="1000" dirty="0" smtClean="0"/>
+              <a:t>이라 원래 </a:t>
+            </a:r>
+            <a:r>
+              <a:rPr lang="en-US" altLang="ko-KR" sz="1000" dirty="0" smtClean="0"/>
+              <a:t>2</a:t>
+            </a:r>
+            <a:r>
+              <a:rPr lang="ko-KR" altLang="en-US" sz="1000" dirty="0" smtClean="0"/>
+              <a:t>로 나누어 주는 것이 맞는데</a:t>
+            </a:r>
+            <a:r>
+              <a:rPr lang="en-US" altLang="ko-KR" sz="1000" dirty="0" smtClean="0"/>
+              <a:t>, </a:t>
+            </a:r>
+            <a:r>
+              <a:rPr lang="ko-KR" altLang="en-US" sz="1000" dirty="0" smtClean="0"/>
+              <a:t>근사한 결과라 </a:t>
+            </a:r>
+            <a:r>
+              <a:rPr lang="en-US" altLang="ko-KR" sz="1000" dirty="0" smtClean="0"/>
+              <a:t>2</a:t>
+            </a:r>
+            <a:r>
+              <a:rPr lang="ko-KR" altLang="en-US" sz="1000" dirty="0" smtClean="0"/>
+              <a:t>배 값이 크게 출력됨</a:t>
+            </a:r>
+            <a:endParaRPr lang="en-US" altLang="ko-KR" sz="1000" dirty="0" smtClean="0"/>
           </a:p>
         </p:txBody>
       </p:sp>
@@ -3872,6 +4466,547 @@
     <p:extLst>
       <p:ext uri="{BB962C8B-B14F-4D97-AF65-F5344CB8AC3E}">
         <p14:creationId xmlns:p14="http://schemas.microsoft.com/office/powerpoint/2010/main" val="3940081440"/>
+      </p:ext>
+    </p:extLst>
+  </p:cSld>
+  <p:clrMapOvr>
+    <a:masterClrMapping/>
+  </p:clrMapOvr>
+  <p:timing>
+    <p:tnLst>
+      <p:par>
+        <p:cTn id="1" dur="indefinite" restart="never" nodeType="tmRoot"/>
+      </p:par>
+    </p:tnLst>
+  </p:timing>
+</p:sld>
+</file>
+
+<file path=ppt/slides/slide4.xml><?xml version="1.0" encoding="utf-8"?>
+<p:sld xmlns:a="http://schemas.openxmlformats.org/drawingml/2006/main" xmlns:r="http://schemas.openxmlformats.org/officeDocument/2006/relationships" xmlns:p="http://schemas.openxmlformats.org/presentationml/2006/main">
+  <p:cSld>
+    <p:spTree>
+      <p:nvGrpSpPr>
+        <p:cNvPr id="1" name=""/>
+        <p:cNvGrpSpPr/>
+        <p:nvPr/>
+      </p:nvGrpSpPr>
+      <p:grpSpPr>
+        <a:xfrm>
+          <a:off x="0" y="0"/>
+          <a:ext cx="0" cy="0"/>
+          <a:chOff x="0" y="0"/>
+          <a:chExt cx="0" cy="0"/>
+        </a:xfrm>
+      </p:grpSpPr>
+      <p:sp>
+        <p:nvSpPr>
+          <p:cNvPr id="4" name="TextBox 3"/>
+          <p:cNvSpPr txBox="1"/>
+          <p:nvPr/>
+        </p:nvSpPr>
+        <p:spPr>
+          <a:xfrm>
+            <a:off x="166255" y="166254"/>
+            <a:ext cx="1489831" cy="492443"/>
+          </a:xfrm>
+          <a:prstGeom prst="rect">
+            <a:avLst/>
+          </a:prstGeom>
+          <a:noFill/>
+        </p:spPr>
+        <p:txBody>
+          <a:bodyPr wrap="none" rtlCol="0">
+            <a:spAutoFit/>
+          </a:bodyPr>
+          <a:lstStyle/>
+          <a:p>
+            <a:r>
+              <a:rPr lang="en-US" altLang="ko-KR" sz="1400" b="1" dirty="0" smtClean="0"/>
+              <a:t>Differentiation</a:t>
+            </a:r>
+          </a:p>
+          <a:p>
+            <a:r>
+              <a:rPr lang="en-US" altLang="ko-KR" sz="1200" dirty="0" smtClean="0"/>
+              <a:t>: </a:t>
+            </a:r>
+            <a:r>
+              <a:rPr lang="ko-KR" altLang="en-US" sz="1200" dirty="0" err="1" smtClean="0"/>
+              <a:t>라플라시안</a:t>
+            </a:r>
+            <a:endParaRPr lang="en-US" altLang="ko-KR" sz="1200" dirty="0"/>
+          </a:p>
+        </p:txBody>
+      </p:sp>
+      <p:sp>
+        <p:nvSpPr>
+          <p:cNvPr id="16" name="TextBox 15"/>
+          <p:cNvSpPr txBox="1"/>
+          <p:nvPr/>
+        </p:nvSpPr>
+        <p:spPr>
+          <a:xfrm>
+            <a:off x="11388575" y="6581001"/>
+            <a:ext cx="803425" cy="276999"/>
+          </a:xfrm>
+          <a:prstGeom prst="rect">
+            <a:avLst/>
+          </a:prstGeom>
+          <a:noFill/>
+        </p:spPr>
+        <p:txBody>
+          <a:bodyPr wrap="none" rtlCol="0">
+            <a:spAutoFit/>
+          </a:bodyPr>
+          <a:lstStyle/>
+          <a:p>
+            <a:pPr algn="r"/>
+            <a:r>
+              <a:rPr lang="en-US" altLang="ko-KR" sz="1200" b="1" dirty="0" smtClean="0">
+                <a:solidFill>
+                  <a:schemeClr val="bg1">
+                    <a:lumMod val="50000"/>
+                  </a:schemeClr>
+                </a:solidFill>
+              </a:rPr>
+              <a:t>25.07.01</a:t>
+            </a:r>
+            <a:endParaRPr lang="en-US" altLang="ko-KR" sz="1200" b="1" dirty="0" smtClean="0">
+              <a:solidFill>
+                <a:schemeClr val="bg1">
+                  <a:lumMod val="50000"/>
+                </a:schemeClr>
+              </a:solidFill>
+            </a:endParaRPr>
+          </a:p>
+        </p:txBody>
+      </p:sp>
+      <p:pic>
+        <p:nvPicPr>
+          <p:cNvPr id="2" name="그림 1"/>
+          <p:cNvPicPr>
+            <a:picLocks noChangeAspect="1"/>
+          </p:cNvPicPr>
+          <p:nvPr/>
+        </p:nvPicPr>
+        <p:blipFill>
+          <a:blip r:embed="rId2">
+            <a:extLst>
+              <a:ext uri="{28A0092B-C50C-407E-A947-70E740481C1C}">
+                <a14:useLocalDpi xmlns:a14="http://schemas.microsoft.com/office/drawing/2010/main" val="0"/>
+              </a:ext>
+            </a:extLst>
+          </a:blip>
+          <a:stretch>
+            <a:fillRect/>
+          </a:stretch>
+        </p:blipFill>
+        <p:spPr>
+          <a:xfrm>
+            <a:off x="410949" y="1378509"/>
+            <a:ext cx="3288596" cy="4929638"/>
+          </a:xfrm>
+          <a:prstGeom prst="rect">
+            <a:avLst/>
+          </a:prstGeom>
+        </p:spPr>
+      </p:pic>
+      <mc:AlternateContent xmlns:mc="http://schemas.openxmlformats.org/markup-compatibility/2006">
+        <mc:Choice xmlns:a14="http://schemas.microsoft.com/office/drawing/2010/main" Requires="a14">
+          <p:sp>
+            <p:nvSpPr>
+              <p:cNvPr id="17" name="TextBox 16"/>
+              <p:cNvSpPr txBox="1"/>
+              <p:nvPr/>
+            </p:nvSpPr>
+            <p:spPr>
+              <a:xfrm>
+                <a:off x="410949" y="750976"/>
+                <a:ext cx="1568854" cy="511615"/>
+              </a:xfrm>
+              <a:prstGeom prst="rect">
+                <a:avLst/>
+              </a:prstGeom>
+              <a:noFill/>
+            </p:spPr>
+            <p:txBody>
+              <a:bodyPr wrap="square" rtlCol="0">
+                <a:spAutoFit/>
+              </a:bodyPr>
+              <a:lstStyle/>
+              <a:p>
+                <a14:m>
+                  <m:oMath xmlns:m="http://schemas.openxmlformats.org/officeDocument/2006/math">
+                    <m:d>
+                      <m:dPr>
+                        <m:begChr m:val="["/>
+                        <m:endChr m:val="]"/>
+                        <m:ctrlPr>
+                          <a:rPr lang="en-US" altLang="ko-KR" sz="1000" i="1" smtClean="0">
+                            <a:latin typeface="Cambria Math" panose="02040503050406030204" pitchFamily="18" charset="0"/>
+                          </a:rPr>
+                        </m:ctrlPr>
+                      </m:dPr>
+                      <m:e>
+                        <m:m>
+                          <m:mPr>
+                            <m:mcs>
+                              <m:mc>
+                                <m:mcPr>
+                                  <m:count m:val="3"/>
+                                  <m:mcJc m:val="center"/>
+                                </m:mcPr>
+                              </m:mc>
+                            </m:mcs>
+                            <m:ctrlPr>
+                              <a:rPr lang="en-US" altLang="ko-KR" sz="1000" i="1" smtClean="0">
+                                <a:latin typeface="Cambria Math" panose="02040503050406030204" pitchFamily="18" charset="0"/>
+                              </a:rPr>
+                            </m:ctrlPr>
+                          </m:mPr>
+                          <m:mr>
+                            <m:e>
+                              <m:r>
+                                <m:rPr>
+                                  <m:brk m:alnAt="7"/>
+                                </m:rPr>
+                                <a:rPr lang="en-US" altLang="ko-KR" sz="1000" b="0" i="1" smtClean="0">
+                                  <a:latin typeface="Cambria Math" panose="02040503050406030204" pitchFamily="18" charset="0"/>
+                                </a:rPr>
+                                <m:t>0</m:t>
+                              </m:r>
+                            </m:e>
+                            <m:e>
+                              <m:r>
+                                <a:rPr lang="en-US" altLang="ko-KR" sz="1000" b="0" i="1" smtClean="0">
+                                  <a:latin typeface="Cambria Math" panose="02040503050406030204" pitchFamily="18" charset="0"/>
+                                </a:rPr>
+                                <m:t>1</m:t>
+                              </m:r>
+                            </m:e>
+                            <m:e>
+                              <m:r>
+                                <a:rPr lang="en-US" altLang="ko-KR" sz="1000" b="0" i="1" smtClean="0">
+                                  <a:latin typeface="Cambria Math" panose="02040503050406030204" pitchFamily="18" charset="0"/>
+                                </a:rPr>
+                                <m:t>0</m:t>
+                              </m:r>
+                            </m:e>
+                          </m:mr>
+                          <m:mr>
+                            <m:e>
+                              <m:r>
+                                <a:rPr lang="en-US" altLang="ko-KR" sz="1000" b="0" i="1" smtClean="0">
+                                  <a:latin typeface="Cambria Math" panose="02040503050406030204" pitchFamily="18" charset="0"/>
+                                </a:rPr>
+                                <m:t>1</m:t>
+                              </m:r>
+                            </m:e>
+                            <m:e>
+                              <m:r>
+                                <a:rPr lang="en-US" altLang="ko-KR" sz="1000" b="0" i="1" smtClean="0">
+                                  <a:latin typeface="Cambria Math" panose="02040503050406030204" pitchFamily="18" charset="0"/>
+                                </a:rPr>
+                                <m:t>−4</m:t>
+                              </m:r>
+                            </m:e>
+                            <m:e>
+                              <m:r>
+                                <a:rPr lang="en-US" altLang="ko-KR" sz="1000" b="0" i="1" smtClean="0">
+                                  <a:latin typeface="Cambria Math" panose="02040503050406030204" pitchFamily="18" charset="0"/>
+                                </a:rPr>
+                                <m:t>1</m:t>
+                              </m:r>
+                            </m:e>
+                          </m:mr>
+                          <m:mr>
+                            <m:e>
+                              <m:r>
+                                <a:rPr lang="en-US" altLang="ko-KR" sz="1000" b="0" i="1" smtClean="0">
+                                  <a:latin typeface="Cambria Math" panose="02040503050406030204" pitchFamily="18" charset="0"/>
+                                </a:rPr>
+                                <m:t>0</m:t>
+                              </m:r>
+                            </m:e>
+                            <m:e>
+                              <m:r>
+                                <a:rPr lang="en-US" altLang="ko-KR" sz="1000" b="0" i="1" smtClean="0">
+                                  <a:latin typeface="Cambria Math" panose="02040503050406030204" pitchFamily="18" charset="0"/>
+                                </a:rPr>
+                                <m:t>1</m:t>
+                              </m:r>
+                            </m:e>
+                            <m:e>
+                              <m:r>
+                                <a:rPr lang="en-US" altLang="ko-KR" sz="1000" b="0" i="1" smtClean="0">
+                                  <a:latin typeface="Cambria Math" panose="02040503050406030204" pitchFamily="18" charset="0"/>
+                                </a:rPr>
+                                <m:t>0</m:t>
+                              </m:r>
+                            </m:e>
+                          </m:mr>
+                        </m:m>
+                      </m:e>
+                    </m:d>
+                  </m:oMath>
+                </a14:m>
+                <a:r>
+                  <a:rPr lang="en-US" altLang="ko-KR" sz="1000" dirty="0" smtClean="0"/>
+                  <a:t> </a:t>
+                </a:r>
+                <a:r>
+                  <a:rPr lang="ko-KR" altLang="en-US" sz="1000" dirty="0" smtClean="0"/>
+                  <a:t>커널 사용</a:t>
+                </a:r>
+                <a:endParaRPr lang="en-US" altLang="ko-KR" sz="1000" dirty="0" smtClean="0"/>
+              </a:p>
+            </p:txBody>
+          </p:sp>
+        </mc:Choice>
+        <mc:Fallback>
+          <p:sp>
+            <p:nvSpPr>
+              <p:cNvPr id="17" name="TextBox 16"/>
+              <p:cNvSpPr txBox="1">
+                <a:spLocks noRot="1" noChangeAspect="1" noMove="1" noResize="1" noEditPoints="1" noAdjustHandles="1" noChangeArrowheads="1" noChangeShapeType="1" noTextEdit="1"/>
+              </p:cNvSpPr>
+              <p:nvPr/>
+            </p:nvSpPr>
+            <p:spPr>
+              <a:xfrm>
+                <a:off x="410949" y="750976"/>
+                <a:ext cx="1568854" cy="511615"/>
+              </a:xfrm>
+              <a:prstGeom prst="rect">
+                <a:avLst/>
+              </a:prstGeom>
+              <a:blipFill>
+                <a:blip r:embed="rId3"/>
+                <a:stretch>
+                  <a:fillRect/>
+                </a:stretch>
+              </a:blipFill>
+            </p:spPr>
+            <p:txBody>
+              <a:bodyPr/>
+              <a:lstStyle/>
+              <a:p>
+                <a:r>
+                  <a:rPr lang="ko-KR" altLang="en-US">
+                    <a:noFill/>
+                  </a:rPr>
+                  <a:t> </a:t>
+                </a:r>
+              </a:p>
+            </p:txBody>
+          </p:sp>
+        </mc:Fallback>
+      </mc:AlternateContent>
+      <mc:AlternateContent xmlns:mc="http://schemas.openxmlformats.org/markup-compatibility/2006">
+        <mc:Choice xmlns:a14="http://schemas.microsoft.com/office/drawing/2010/main" Requires="a14">
+          <p:sp>
+            <p:nvSpPr>
+              <p:cNvPr id="18" name="TextBox 17"/>
+              <p:cNvSpPr txBox="1"/>
+              <p:nvPr/>
+            </p:nvSpPr>
+            <p:spPr>
+              <a:xfrm>
+                <a:off x="1863643" y="866894"/>
+                <a:ext cx="3371088" cy="246221"/>
+              </a:xfrm>
+              <a:prstGeom prst="rect">
+                <a:avLst/>
+              </a:prstGeom>
+              <a:noFill/>
+            </p:spPr>
+            <p:txBody>
+              <a:bodyPr wrap="square" rtlCol="0">
+                <a:spAutoFit/>
+              </a:bodyPr>
+              <a:lstStyle/>
+              <a:p>
+                <a:r>
+                  <a:rPr lang="en-US" altLang="ko-KR" sz="1000" dirty="0" smtClean="0"/>
+                  <a:t>(2</a:t>
+                </a:r>
+                <a:r>
+                  <a:rPr lang="ko-KR" altLang="en-US" sz="1000" dirty="0" smtClean="0"/>
+                  <a:t>차 </a:t>
+                </a:r>
+                <a:r>
+                  <a:rPr lang="ko-KR" altLang="en-US" sz="1000" dirty="0" err="1" smtClean="0"/>
+                  <a:t>편미분이</a:t>
+                </a:r>
+                <a:r>
+                  <a:rPr lang="ko-KR" altLang="en-US" sz="1000" dirty="0" smtClean="0"/>
+                  <a:t> </a:t>
+                </a:r>
+                <a14:m>
+                  <m:oMath xmlns:m="http://schemas.openxmlformats.org/officeDocument/2006/math">
+                    <m:d>
+                      <m:dPr>
+                        <m:begChr m:val="["/>
+                        <m:endChr m:val="]"/>
+                        <m:ctrlPr>
+                          <a:rPr lang="en-US" altLang="ko-KR" sz="1000" i="1" smtClean="0">
+                            <a:latin typeface="Cambria Math" panose="02040503050406030204" pitchFamily="18" charset="0"/>
+                          </a:rPr>
+                        </m:ctrlPr>
+                      </m:dPr>
+                      <m:e>
+                        <m:m>
+                          <m:mPr>
+                            <m:mcs>
+                              <m:mc>
+                                <m:mcPr>
+                                  <m:count m:val="3"/>
+                                  <m:mcJc m:val="center"/>
+                                </m:mcPr>
+                              </m:mc>
+                            </m:mcs>
+                            <m:ctrlPr>
+                              <a:rPr lang="en-US" altLang="ko-KR" sz="1000" i="1" smtClean="0">
+                                <a:latin typeface="Cambria Math" panose="02040503050406030204" pitchFamily="18" charset="0"/>
+                              </a:rPr>
+                            </m:ctrlPr>
+                          </m:mPr>
+                          <m:mr>
+                            <m:e>
+                              <m:r>
+                                <m:rPr>
+                                  <m:brk m:alnAt="7"/>
+                                </m:rPr>
+                                <a:rPr lang="en-US" altLang="ko-KR" sz="1000" b="0" i="1" smtClean="0">
+                                  <a:latin typeface="Cambria Math" panose="02040503050406030204" pitchFamily="18" charset="0"/>
+                                </a:rPr>
+                                <m:t>1</m:t>
+                              </m:r>
+                            </m:e>
+                            <m:e>
+                              <m:r>
+                                <a:rPr lang="en-US" altLang="ko-KR" sz="1000" b="0" i="1" smtClean="0">
+                                  <a:latin typeface="Cambria Math" panose="02040503050406030204" pitchFamily="18" charset="0"/>
+                                </a:rPr>
+                                <m:t>−2</m:t>
+                              </m:r>
+                            </m:e>
+                            <m:e>
+                              <m:r>
+                                <a:rPr lang="en-US" altLang="ko-KR" sz="1000" b="0" i="1" smtClean="0">
+                                  <a:latin typeface="Cambria Math" panose="02040503050406030204" pitchFamily="18" charset="0"/>
+                                </a:rPr>
+                                <m:t>1</m:t>
+                              </m:r>
+                            </m:e>
+                          </m:mr>
+                        </m:m>
+                      </m:e>
+                    </m:d>
+                  </m:oMath>
+                </a14:m>
+                <a:r>
+                  <a:rPr lang="en-US" altLang="ko-KR" sz="1000" dirty="0" smtClean="0"/>
+                  <a:t> </a:t>
+                </a:r>
+                <a:r>
+                  <a:rPr lang="ko-KR" altLang="en-US" sz="1000" dirty="0" smtClean="0"/>
+                  <a:t>커널로 </a:t>
+                </a:r>
+                <a:r>
+                  <a:rPr lang="ko-KR" altLang="en-US" sz="1000" dirty="0" err="1" smtClean="0"/>
+                  <a:t>연산되기</a:t>
+                </a:r>
+                <a:r>
+                  <a:rPr lang="ko-KR" altLang="en-US" sz="1000" dirty="0" smtClean="0"/>
+                  <a:t> 때문</a:t>
+                </a:r>
+                <a:r>
+                  <a:rPr lang="en-US" altLang="ko-KR" sz="1000" dirty="0" smtClean="0"/>
+                  <a:t>)</a:t>
+                </a:r>
+              </a:p>
+            </p:txBody>
+          </p:sp>
+        </mc:Choice>
+        <mc:Fallback>
+          <p:sp>
+            <p:nvSpPr>
+              <p:cNvPr id="18" name="TextBox 17"/>
+              <p:cNvSpPr txBox="1">
+                <a:spLocks noRot="1" noChangeAspect="1" noMove="1" noResize="1" noEditPoints="1" noAdjustHandles="1" noChangeArrowheads="1" noChangeShapeType="1" noTextEdit="1"/>
+              </p:cNvSpPr>
+              <p:nvPr/>
+            </p:nvSpPr>
+            <p:spPr>
+              <a:xfrm>
+                <a:off x="1863643" y="866894"/>
+                <a:ext cx="3371088" cy="246221"/>
+              </a:xfrm>
+              <a:prstGeom prst="rect">
+                <a:avLst/>
+              </a:prstGeom>
+              <a:blipFill>
+                <a:blip r:embed="rId4"/>
+                <a:stretch>
+                  <a:fillRect b="-9756"/>
+                </a:stretch>
+              </a:blipFill>
+            </p:spPr>
+            <p:txBody>
+              <a:bodyPr/>
+              <a:lstStyle/>
+              <a:p>
+                <a:r>
+                  <a:rPr lang="ko-KR" altLang="en-US">
+                    <a:noFill/>
+                  </a:rPr>
+                  <a:t> </a:t>
+                </a:r>
+              </a:p>
+            </p:txBody>
+          </p:sp>
+        </mc:Fallback>
+      </mc:AlternateContent>
+      <p:sp>
+        <p:nvSpPr>
+          <p:cNvPr id="19" name="TextBox 18"/>
+          <p:cNvSpPr txBox="1"/>
+          <p:nvPr/>
+        </p:nvSpPr>
+        <p:spPr>
+          <a:xfrm>
+            <a:off x="410949" y="6309288"/>
+            <a:ext cx="1359128" cy="276999"/>
+          </a:xfrm>
+          <a:prstGeom prst="rect">
+            <a:avLst/>
+          </a:prstGeom>
+          <a:noFill/>
+        </p:spPr>
+        <p:txBody>
+          <a:bodyPr wrap="square" rtlCol="0">
+            <a:spAutoFit/>
+          </a:bodyPr>
+          <a:lstStyle/>
+          <a:p>
+            <a:r>
+              <a:rPr lang="ko-KR" altLang="en-US" sz="1200" dirty="0" err="1" smtClean="0"/>
+              <a:t>라플라시안</a:t>
+            </a:r>
+            <a:r>
+              <a:rPr lang="ko-KR" altLang="en-US" sz="1200" dirty="0" smtClean="0"/>
+              <a:t> 결과</a:t>
+            </a:r>
+            <a:endParaRPr lang="ko-KR" altLang="en-US" sz="1200" dirty="0"/>
+          </a:p>
+        </p:txBody>
+      </p:sp>
+    </p:spTree>
+    <p:extLst>
+      <p:ext uri="{BB962C8B-B14F-4D97-AF65-F5344CB8AC3E}">
+        <p14:creationId xmlns:p14="http://schemas.microsoft.com/office/powerpoint/2010/main" val="2301028525"/>
       </p:ext>
     </p:extLst>
   </p:cSld>
